--- a/Presentazione/Presentazione.pptx
+++ b/Presentazione/Presentazione.pptx
@@ -215,7 +215,7 @@
           <a:p>
             <a:fld id="{1CED69A2-81F4-4758-8421-5424B34B96C1}" type="datetimeFigureOut">
               <a:rPr lang="it-IT" smtClean="0"/>
-              <a:t>07/10/2021</a:t>
+              <a:t>08/10/2021</a:t>
             </a:fld>
             <a:endParaRPr lang="it-IT"/>
           </a:p>
@@ -881,7 +881,7 @@
           <a:p>
             <a:fld id="{491FD7AD-0BD5-42E8-A0ED-80861E1668DD}" type="datetimeFigureOut">
               <a:rPr lang="it-IT" smtClean="0"/>
-              <a:t>07/10/2021</a:t>
+              <a:t>08/10/2021</a:t>
             </a:fld>
             <a:endParaRPr lang="it-IT"/>
           </a:p>
@@ -1079,7 +1079,7 @@
           <a:p>
             <a:fld id="{491FD7AD-0BD5-42E8-A0ED-80861E1668DD}" type="datetimeFigureOut">
               <a:rPr lang="it-IT" smtClean="0"/>
-              <a:t>07/10/2021</a:t>
+              <a:t>08/10/2021</a:t>
             </a:fld>
             <a:endParaRPr lang="it-IT"/>
           </a:p>
@@ -1287,7 +1287,7 @@
           <a:p>
             <a:fld id="{491FD7AD-0BD5-42E8-A0ED-80861E1668DD}" type="datetimeFigureOut">
               <a:rPr lang="it-IT" smtClean="0"/>
-              <a:t>07/10/2021</a:t>
+              <a:t>08/10/2021</a:t>
             </a:fld>
             <a:endParaRPr lang="it-IT"/>
           </a:p>
@@ -1485,7 +1485,7 @@
           <a:p>
             <a:fld id="{491FD7AD-0BD5-42E8-A0ED-80861E1668DD}" type="datetimeFigureOut">
               <a:rPr lang="it-IT" smtClean="0"/>
-              <a:t>07/10/2021</a:t>
+              <a:t>08/10/2021</a:t>
             </a:fld>
             <a:endParaRPr lang="it-IT"/>
           </a:p>
@@ -1760,7 +1760,7 @@
           <a:p>
             <a:fld id="{491FD7AD-0BD5-42E8-A0ED-80861E1668DD}" type="datetimeFigureOut">
               <a:rPr lang="it-IT" smtClean="0"/>
-              <a:t>07/10/2021</a:t>
+              <a:t>08/10/2021</a:t>
             </a:fld>
             <a:endParaRPr lang="it-IT"/>
           </a:p>
@@ -2025,7 +2025,7 @@
           <a:p>
             <a:fld id="{491FD7AD-0BD5-42E8-A0ED-80861E1668DD}" type="datetimeFigureOut">
               <a:rPr lang="it-IT" smtClean="0"/>
-              <a:t>07/10/2021</a:t>
+              <a:t>08/10/2021</a:t>
             </a:fld>
             <a:endParaRPr lang="it-IT"/>
           </a:p>
@@ -2437,7 +2437,7 @@
           <a:p>
             <a:fld id="{491FD7AD-0BD5-42E8-A0ED-80861E1668DD}" type="datetimeFigureOut">
               <a:rPr lang="it-IT" smtClean="0"/>
-              <a:t>07/10/2021</a:t>
+              <a:t>08/10/2021</a:t>
             </a:fld>
             <a:endParaRPr lang="it-IT"/>
           </a:p>
@@ -2578,7 +2578,7 @@
           <a:p>
             <a:fld id="{491FD7AD-0BD5-42E8-A0ED-80861E1668DD}" type="datetimeFigureOut">
               <a:rPr lang="it-IT" smtClean="0"/>
-              <a:t>07/10/2021</a:t>
+              <a:t>08/10/2021</a:t>
             </a:fld>
             <a:endParaRPr lang="it-IT"/>
           </a:p>
@@ -2691,7 +2691,7 @@
           <a:p>
             <a:fld id="{491FD7AD-0BD5-42E8-A0ED-80861E1668DD}" type="datetimeFigureOut">
               <a:rPr lang="it-IT" smtClean="0"/>
-              <a:t>07/10/2021</a:t>
+              <a:t>08/10/2021</a:t>
             </a:fld>
             <a:endParaRPr lang="it-IT"/>
           </a:p>
@@ -3002,7 +3002,7 @@
           <a:p>
             <a:fld id="{491FD7AD-0BD5-42E8-A0ED-80861E1668DD}" type="datetimeFigureOut">
               <a:rPr lang="it-IT" smtClean="0"/>
-              <a:t>07/10/2021</a:t>
+              <a:t>08/10/2021</a:t>
             </a:fld>
             <a:endParaRPr lang="it-IT"/>
           </a:p>
@@ -3290,7 +3290,7 @@
           <a:p>
             <a:fld id="{491FD7AD-0BD5-42E8-A0ED-80861E1668DD}" type="datetimeFigureOut">
               <a:rPr lang="it-IT" smtClean="0"/>
-              <a:t>07/10/2021</a:t>
+              <a:t>08/10/2021</a:t>
             </a:fld>
             <a:endParaRPr lang="it-IT"/>
           </a:p>
@@ -3531,7 +3531,7 @@
           <a:p>
             <a:fld id="{491FD7AD-0BD5-42E8-A0ED-80861E1668DD}" type="datetimeFigureOut">
               <a:rPr lang="it-IT" smtClean="0"/>
-              <a:t>07/10/2021</a:t>
+              <a:t>08/10/2021</a:t>
             </a:fld>
             <a:endParaRPr lang="it-IT"/>
           </a:p>
@@ -10892,6 +10892,42 @@
           <a:chExt cx="0" cy="0"/>
         </a:xfrm>
       </p:grpSpPr>
+      <p:pic>
+        <p:nvPicPr>
+          <p:cNvPr id="3" name="Immagine 2">
+            <a:extLst>
+              <a:ext uri="{FF2B5EF4-FFF2-40B4-BE49-F238E27FC236}">
+                <a16:creationId xmlns:a16="http://schemas.microsoft.com/office/drawing/2014/main" id="{94C8414F-D6CA-4B24-9067-6D6C70509A63}"/>
+              </a:ext>
+            </a:extLst>
+          </p:cNvPr>
+          <p:cNvPicPr>
+            <a:picLocks noChangeAspect="1"/>
+          </p:cNvPicPr>
+          <p:nvPr/>
+        </p:nvPicPr>
+        <p:blipFill>
+          <a:blip r:embed="rId2">
+            <a:extLst>
+              <a:ext uri="{28A0092B-C50C-407E-A947-70E740481C1C}">
+                <a14:useLocalDpi xmlns:a14="http://schemas.microsoft.com/office/drawing/2010/main" val="0"/>
+              </a:ext>
+            </a:extLst>
+          </a:blip>
+          <a:stretch>
+            <a:fillRect/>
+          </a:stretch>
+        </p:blipFill>
+        <p:spPr>
+          <a:xfrm>
+            <a:off x="0" y="159596"/>
+            <a:ext cx="12192000" cy="6538808"/>
+          </a:xfrm>
+          <a:prstGeom prst="rect">
+            <a:avLst/>
+          </a:prstGeom>
+        </p:spPr>
+      </p:pic>
     </p:spTree>
     <p:extLst>
       <p:ext uri="{BB962C8B-B14F-4D97-AF65-F5344CB8AC3E}">
